--- a/angular.pptx
+++ b/angular.pptx
@@ -7,6 +7,15 @@
   <p:sldIdLst>
     <p:sldId id="256" r:id="rId2"/>
     <p:sldId id="257" r:id="rId3"/>
+    <p:sldId id="258" r:id="rId4"/>
+    <p:sldId id="259" r:id="rId5"/>
+    <p:sldId id="265" r:id="rId6"/>
+    <p:sldId id="260" r:id="rId7"/>
+    <p:sldId id="261" r:id="rId8"/>
+    <p:sldId id="262" r:id="rId9"/>
+    <p:sldId id="263" r:id="rId10"/>
+    <p:sldId id="264" r:id="rId11"/>
+    <p:sldId id="266" r:id="rId12"/>
   </p:sldIdLst>
   <p:sldSz cx="12192000" cy="6858000"/>
   <p:notesSz cx="6858000" cy="9144000"/>
@@ -105,6 +114,11 @@
       </a:defRPr>
     </a:lvl9pPr>
   </p:defaultTextStyle>
+  <p:extLst>
+    <p:ext uri="{EFAFB233-063F-42B5-8137-9DF3F51BA10A}">
+      <p15:sldGuideLst xmlns:p15="http://schemas.microsoft.com/office/powerpoint/2012/main"/>
+    </p:ext>
+  </p:extLst>
 </p:presentation>
 </file>
 
@@ -3019,6 +3033,190 @@
 </p:sld>
 </file>
 
+<file path=ppt/slides/slide10.xml><?xml version="1.0" encoding="utf-8"?>
+<p:sld xmlns:a="http://schemas.openxmlformats.org/drawingml/2006/main" xmlns:r="http://schemas.openxmlformats.org/officeDocument/2006/relationships" xmlns:p="http://schemas.openxmlformats.org/presentationml/2006/main">
+  <p:cSld>
+    <p:spTree>
+      <p:nvGrpSpPr>
+        <p:cNvPr id="1" name=""/>
+        <p:cNvGrpSpPr/>
+        <p:nvPr/>
+      </p:nvGrpSpPr>
+      <p:grpSpPr>
+        <a:xfrm>
+          <a:off x="0" y="0"/>
+          <a:ext cx="0" cy="0"/>
+          <a:chOff x="0" y="0"/>
+          <a:chExt cx="0" cy="0"/>
+        </a:xfrm>
+      </p:grpSpPr>
+      <p:sp>
+        <p:nvSpPr>
+          <p:cNvPr id="2" name="Title 1"/>
+          <p:cNvSpPr>
+            <a:spLocks noGrp="1"/>
+          </p:cNvSpPr>
+          <p:nvPr>
+            <p:ph type="title"/>
+          </p:nvPr>
+        </p:nvSpPr>
+        <p:spPr/>
+        <p:txBody>
+          <a:bodyPr/>
+          <a:lstStyle/>
+          <a:p>
+            <a:r>
+              <a:rPr lang="en-PH" dirty="0"/>
+              <a:t>A note on state management</a:t>
+            </a:r>
+          </a:p>
+        </p:txBody>
+      </p:sp>
+      <p:sp>
+        <p:nvSpPr>
+          <p:cNvPr id="3" name="Content Placeholder 2"/>
+          <p:cNvSpPr>
+            <a:spLocks noGrp="1"/>
+          </p:cNvSpPr>
+          <p:nvPr>
+            <p:ph idx="1"/>
+          </p:nvPr>
+        </p:nvSpPr>
+        <p:spPr/>
+        <p:txBody>
+          <a:bodyPr/>
+          <a:lstStyle/>
+          <a:p>
+            <a:r>
+              <a:rPr lang="en-PH" dirty="0"/>
+              <a:t>You can use state managers like </a:t>
+            </a:r>
+            <a:r>
+              <a:rPr lang="en-PH" dirty="0" err="1"/>
+              <a:t>ngrx</a:t>
+            </a:r>
+            <a:r>
+              <a:rPr lang="en-PH" dirty="0"/>
+              <a:t> or Redux with Angular for larger apps</a:t>
+            </a:r>
+          </a:p>
+          <a:p>
+            <a:r>
+              <a:rPr lang="en-PH" dirty="0"/>
+              <a:t>I find it less necessary due to the overall structure of the framework and services which are used to share data and functionality</a:t>
+            </a:r>
+          </a:p>
+        </p:txBody>
+      </p:sp>
+    </p:spTree>
+    <p:extLst>
+      <p:ext uri="{BB962C8B-B14F-4D97-AF65-F5344CB8AC3E}">
+        <p14:creationId xmlns:p14="http://schemas.microsoft.com/office/powerpoint/2010/main" val="2870230761"/>
+      </p:ext>
+    </p:extLst>
+  </p:cSld>
+  <p:clrMapOvr>
+    <a:masterClrMapping/>
+  </p:clrMapOvr>
+</p:sld>
+</file>
+
+<file path=ppt/slides/slide11.xml><?xml version="1.0" encoding="utf-8"?>
+<p:sld xmlns:a="http://schemas.openxmlformats.org/drawingml/2006/main" xmlns:r="http://schemas.openxmlformats.org/officeDocument/2006/relationships" xmlns:p="http://schemas.openxmlformats.org/presentationml/2006/main">
+  <p:cSld>
+    <p:spTree>
+      <p:nvGrpSpPr>
+        <p:cNvPr id="1" name=""/>
+        <p:cNvGrpSpPr/>
+        <p:nvPr/>
+      </p:nvGrpSpPr>
+      <p:grpSpPr>
+        <a:xfrm>
+          <a:off x="0" y="0"/>
+          <a:ext cx="0" cy="0"/>
+          <a:chOff x="0" y="0"/>
+          <a:chExt cx="0" cy="0"/>
+        </a:xfrm>
+      </p:grpSpPr>
+      <p:sp>
+        <p:nvSpPr>
+          <p:cNvPr id="2" name="Title 1"/>
+          <p:cNvSpPr>
+            <a:spLocks noGrp="1"/>
+          </p:cNvSpPr>
+          <p:nvPr>
+            <p:ph type="title"/>
+          </p:nvPr>
+        </p:nvSpPr>
+        <p:spPr/>
+        <p:txBody>
+          <a:bodyPr/>
+          <a:lstStyle/>
+          <a:p>
+            <a:r>
+              <a:rPr lang="en-PH" dirty="0"/>
+              <a:t>References</a:t>
+            </a:r>
+          </a:p>
+        </p:txBody>
+      </p:sp>
+      <p:sp>
+        <p:nvSpPr>
+          <p:cNvPr id="3" name="Content Placeholder 2"/>
+          <p:cNvSpPr>
+            <a:spLocks noGrp="1"/>
+          </p:cNvSpPr>
+          <p:nvPr>
+            <p:ph idx="1"/>
+          </p:nvPr>
+        </p:nvSpPr>
+        <p:spPr/>
+        <p:txBody>
+          <a:bodyPr/>
+          <a:lstStyle/>
+          <a:p>
+            <a:r>
+              <a:rPr lang="en-PH" dirty="0"/>
+              <a:t>Slides from </a:t>
+            </a:r>
+            <a:r>
+              <a:rPr lang="en-PH" dirty="0" err="1"/>
+              <a:t>Traversy</a:t>
+            </a:r>
+            <a:r>
+              <a:rPr lang="en-PH" dirty="0"/>
+              <a:t> Media </a:t>
+            </a:r>
+            <a:r>
+              <a:rPr lang="en-PH" dirty="0" err="1"/>
+              <a:t>youtube</a:t>
+            </a:r>
+            <a:r>
+              <a:rPr lang="en-PH" dirty="0"/>
+              <a:t> channel</a:t>
+            </a:r>
+          </a:p>
+          <a:p>
+            <a:r>
+              <a:rPr lang="en-PH" dirty="0"/>
+              <a:t>Angular.io documentation</a:t>
+            </a:r>
+          </a:p>
+        </p:txBody>
+      </p:sp>
+    </p:spTree>
+    <p:extLst>
+      <p:ext uri="{BB962C8B-B14F-4D97-AF65-F5344CB8AC3E}">
+        <p14:creationId xmlns:p14="http://schemas.microsoft.com/office/powerpoint/2010/main" val="3334910593"/>
+      </p:ext>
+    </p:extLst>
+  </p:cSld>
+  <p:clrMapOvr>
+    <a:masterClrMapping/>
+  </p:clrMapOvr>
+</p:sld>
+</file>
+
 <file path=ppt/slides/slide2.xml><?xml version="1.0" encoding="utf-8"?>
 <p:sld xmlns:a="http://schemas.openxmlformats.org/drawingml/2006/main" xmlns:r="http://schemas.openxmlformats.org/officeDocument/2006/relationships" xmlns:p="http://schemas.openxmlformats.org/presentationml/2006/main">
   <p:cSld>
@@ -3051,7 +3249,10 @@
           <a:bodyPr/>
           <a:lstStyle/>
           <a:p>
-            <a:endParaRPr lang="en-PH"/>
+            <a:r>
+              <a:rPr lang="en-PH" dirty="0"/>
+              <a:t>What is Angular</a:t>
+            </a:r>
           </a:p>
         </p:txBody>
       </p:sp>
@@ -3070,7 +3271,23 @@
           <a:bodyPr/>
           <a:lstStyle/>
           <a:p>
-            <a:endParaRPr lang="en-PH"/>
+            <a:r>
+              <a:rPr lang="en-PH" dirty="0"/>
+              <a:t>Angular is a full featured JavaScript framework created and maintained by Google and is used for building front-end applications or the front-end part of a full stack application</a:t>
+            </a:r>
+          </a:p>
+          <a:p>
+            <a:r>
+              <a:rPr lang="en-PH" dirty="0"/>
+              <a:t>Angular is very popular in large enterprise</a:t>
+            </a:r>
+          </a:p>
+          <a:p>
+            <a:pPr lvl="1"/>
+            <a:r>
+              <a:rPr lang="en-PH" dirty="0"/>
+              <a:t>One of the big three</a:t>
+            </a:r>
           </a:p>
         </p:txBody>
       </p:sp>
@@ -3078,6 +3295,1091 @@
     <p:extLst>
       <p:ext uri="{BB962C8B-B14F-4D97-AF65-F5344CB8AC3E}">
         <p14:creationId xmlns:p14="http://schemas.microsoft.com/office/powerpoint/2010/main" val="3139385038"/>
+      </p:ext>
+    </p:extLst>
+  </p:cSld>
+  <p:clrMapOvr>
+    <a:masterClrMapping/>
+  </p:clrMapOvr>
+</p:sld>
+</file>
+
+<file path=ppt/slides/slide3.xml><?xml version="1.0" encoding="utf-8"?>
+<p:sld xmlns:a="http://schemas.openxmlformats.org/drawingml/2006/main" xmlns:r="http://schemas.openxmlformats.org/officeDocument/2006/relationships" xmlns:p="http://schemas.openxmlformats.org/presentationml/2006/main">
+  <p:cSld>
+    <p:spTree>
+      <p:nvGrpSpPr>
+        <p:cNvPr id="1" name=""/>
+        <p:cNvGrpSpPr/>
+        <p:nvPr/>
+      </p:nvGrpSpPr>
+      <p:grpSpPr>
+        <a:xfrm>
+          <a:off x="0" y="0"/>
+          <a:ext cx="0" cy="0"/>
+          <a:chOff x="0" y="0"/>
+          <a:chExt cx="0" cy="0"/>
+        </a:xfrm>
+      </p:grpSpPr>
+      <p:sp>
+        <p:nvSpPr>
+          <p:cNvPr id="2" name="Title 1"/>
+          <p:cNvSpPr>
+            <a:spLocks noGrp="1"/>
+          </p:cNvSpPr>
+          <p:nvPr>
+            <p:ph type="title"/>
+          </p:nvPr>
+        </p:nvSpPr>
+        <p:spPr/>
+        <p:txBody>
+          <a:bodyPr/>
+          <a:lstStyle/>
+          <a:p>
+            <a:r>
+              <a:rPr lang="en-PH" dirty="0"/>
+              <a:t>A note on versions</a:t>
+            </a:r>
+          </a:p>
+        </p:txBody>
+      </p:sp>
+      <p:sp>
+        <p:nvSpPr>
+          <p:cNvPr id="3" name="Content Placeholder 2"/>
+          <p:cNvSpPr>
+            <a:spLocks noGrp="1"/>
+          </p:cNvSpPr>
+          <p:nvPr>
+            <p:ph idx="1"/>
+          </p:nvPr>
+        </p:nvSpPr>
+        <p:spPr/>
+        <p:txBody>
+          <a:bodyPr/>
+          <a:lstStyle/>
+          <a:p>
+            <a:r>
+              <a:rPr lang="en-PH" dirty="0"/>
+              <a:t>AngularJS was released in 2010. It is not recommended and should be updated to Angular</a:t>
+            </a:r>
+          </a:p>
+          <a:p>
+            <a:r>
+              <a:rPr lang="en-PH" dirty="0"/>
+              <a:t>Angular refers to version 2+. Right now we are on version 7 but 2 – 7 is the same framework with a few changes, mostly under the hood</a:t>
+            </a:r>
+          </a:p>
+        </p:txBody>
+      </p:sp>
+    </p:spTree>
+    <p:extLst>
+      <p:ext uri="{BB962C8B-B14F-4D97-AF65-F5344CB8AC3E}">
+        <p14:creationId xmlns:p14="http://schemas.microsoft.com/office/powerpoint/2010/main" val="2162191457"/>
+      </p:ext>
+    </p:extLst>
+  </p:cSld>
+  <p:clrMapOvr>
+    <a:masterClrMapping/>
+  </p:clrMapOvr>
+</p:sld>
+</file>
+
+<file path=ppt/slides/slide4.xml><?xml version="1.0" encoding="utf-8"?>
+<p:sld xmlns:a="http://schemas.openxmlformats.org/drawingml/2006/main" xmlns:r="http://schemas.openxmlformats.org/officeDocument/2006/relationships" xmlns:p="http://schemas.openxmlformats.org/presentationml/2006/main">
+  <p:cSld>
+    <p:spTree>
+      <p:nvGrpSpPr>
+        <p:cNvPr id="1" name=""/>
+        <p:cNvGrpSpPr/>
+        <p:nvPr/>
+      </p:nvGrpSpPr>
+      <p:grpSpPr>
+        <a:xfrm>
+          <a:off x="0" y="0"/>
+          <a:ext cx="0" cy="0"/>
+          <a:chOff x="0" y="0"/>
+          <a:chExt cx="0" cy="0"/>
+        </a:xfrm>
+      </p:grpSpPr>
+      <p:sp>
+        <p:nvSpPr>
+          <p:cNvPr id="2" name="Title 1"/>
+          <p:cNvSpPr>
+            <a:spLocks noGrp="1"/>
+          </p:cNvSpPr>
+          <p:nvPr>
+            <p:ph type="title"/>
+          </p:nvPr>
+        </p:nvSpPr>
+        <p:spPr/>
+        <p:txBody>
+          <a:bodyPr/>
+          <a:lstStyle/>
+          <a:p>
+            <a:r>
+              <a:rPr lang="en-PH" dirty="0"/>
+              <a:t>Why use Angular</a:t>
+            </a:r>
+          </a:p>
+        </p:txBody>
+      </p:sp>
+      <p:sp>
+        <p:nvSpPr>
+          <p:cNvPr id="3" name="Content Placeholder 2"/>
+          <p:cNvSpPr>
+            <a:spLocks noGrp="1"/>
+          </p:cNvSpPr>
+          <p:nvPr>
+            <p:ph idx="1"/>
+          </p:nvPr>
+        </p:nvSpPr>
+        <p:spPr/>
+        <p:txBody>
+          <a:bodyPr/>
+          <a:lstStyle/>
+          <a:p>
+            <a:r>
+              <a:rPr lang="en-PH" dirty="0"/>
+              <a:t>Organized front-end structure (Components, Modules, Services)</a:t>
+            </a:r>
+          </a:p>
+          <a:p>
+            <a:r>
+              <a:rPr lang="en-PH" dirty="0"/>
+              <a:t>Extremely powerful and full featured</a:t>
+            </a:r>
+          </a:p>
+          <a:p>
+            <a:r>
+              <a:rPr lang="en-PH" dirty="0"/>
+              <a:t>All-in-one solution (Routing, HTTP, </a:t>
+            </a:r>
+            <a:r>
+              <a:rPr lang="en-PH" dirty="0" err="1"/>
+              <a:t>RxJS</a:t>
+            </a:r>
+            <a:r>
+              <a:rPr lang="en-PH" dirty="0"/>
+              <a:t>, etc.)</a:t>
+            </a:r>
+          </a:p>
+          <a:p>
+            <a:r>
+              <a:rPr lang="en-PH" dirty="0"/>
+              <a:t>Build powerful SPA apps</a:t>
+            </a:r>
+          </a:p>
+          <a:p>
+            <a:r>
+              <a:rPr lang="en-PH" dirty="0"/>
+              <a:t>MVC – Model, View, Controller design pattern</a:t>
+            </a:r>
+          </a:p>
+          <a:p>
+            <a:r>
+              <a:rPr lang="en-PH" dirty="0" err="1"/>
+              <a:t>TypeScript</a:t>
+            </a:r>
+            <a:endParaRPr lang="en-PH" dirty="0"/>
+          </a:p>
+          <a:p>
+            <a:r>
+              <a:rPr lang="en-PH" dirty="0"/>
+              <a:t>Fantastic CLI</a:t>
+            </a:r>
+          </a:p>
+        </p:txBody>
+      </p:sp>
+    </p:spTree>
+    <p:extLst>
+      <p:ext uri="{BB962C8B-B14F-4D97-AF65-F5344CB8AC3E}">
+        <p14:creationId xmlns:p14="http://schemas.microsoft.com/office/powerpoint/2010/main" val="4159633601"/>
+      </p:ext>
+    </p:extLst>
+  </p:cSld>
+  <p:clrMapOvr>
+    <a:masterClrMapping/>
+  </p:clrMapOvr>
+</p:sld>
+</file>
+
+<file path=ppt/slides/slide5.xml><?xml version="1.0" encoding="utf-8"?>
+<p:sld xmlns:a="http://schemas.openxmlformats.org/drawingml/2006/main" xmlns:r="http://schemas.openxmlformats.org/officeDocument/2006/relationships" xmlns:p="http://schemas.openxmlformats.org/presentationml/2006/main">
+  <p:cSld>
+    <p:spTree>
+      <p:nvGrpSpPr>
+        <p:cNvPr id="1" name=""/>
+        <p:cNvGrpSpPr/>
+        <p:nvPr/>
+      </p:nvGrpSpPr>
+      <p:grpSpPr>
+        <a:xfrm>
+          <a:off x="0" y="0"/>
+          <a:ext cx="0" cy="0"/>
+          <a:chOff x="0" y="0"/>
+          <a:chExt cx="0" cy="0"/>
+        </a:xfrm>
+      </p:grpSpPr>
+      <p:sp>
+        <p:nvSpPr>
+          <p:cNvPr id="2" name="Title 1"/>
+          <p:cNvSpPr>
+            <a:spLocks noGrp="1"/>
+          </p:cNvSpPr>
+          <p:nvPr>
+            <p:ph type="title"/>
+          </p:nvPr>
+        </p:nvSpPr>
+        <p:spPr/>
+        <p:txBody>
+          <a:bodyPr/>
+          <a:lstStyle/>
+          <a:p>
+            <a:r>
+              <a:rPr lang="en-PH" dirty="0"/>
+              <a:t>What you should know before learning Angular</a:t>
+            </a:r>
+          </a:p>
+        </p:txBody>
+      </p:sp>
+      <p:sp>
+        <p:nvSpPr>
+          <p:cNvPr id="3" name="Content Placeholder 2"/>
+          <p:cNvSpPr>
+            <a:spLocks noGrp="1"/>
+          </p:cNvSpPr>
+          <p:nvPr>
+            <p:ph idx="1"/>
+          </p:nvPr>
+        </p:nvSpPr>
+        <p:spPr/>
+        <p:txBody>
+          <a:bodyPr/>
+          <a:lstStyle/>
+          <a:p>
+            <a:r>
+              <a:rPr lang="en-PH" dirty="0"/>
+              <a:t>JavaScript Fundamentals (Objects, Arrays, Conditionals, etc.)</a:t>
+            </a:r>
+          </a:p>
+          <a:p>
+            <a:r>
+              <a:rPr lang="en-PH" dirty="0"/>
+              <a:t>It may help to learn these first</a:t>
+            </a:r>
+          </a:p>
+          <a:p>
+            <a:pPr lvl="1"/>
+            <a:r>
+              <a:rPr lang="en-PH" dirty="0" err="1"/>
+              <a:t>TypeScript</a:t>
+            </a:r>
+            <a:endParaRPr lang="en-PH" dirty="0"/>
+          </a:p>
+          <a:p>
+            <a:pPr lvl="1"/>
+            <a:r>
+              <a:rPr lang="en-PH" dirty="0"/>
+              <a:t>Classes</a:t>
+            </a:r>
+          </a:p>
+          <a:p>
+            <a:pPr lvl="1"/>
+            <a:r>
+              <a:rPr lang="en-PH" dirty="0"/>
+              <a:t>High Order Array Methods – </a:t>
+            </a:r>
+            <a:r>
+              <a:rPr lang="en-PH" dirty="0" err="1"/>
+              <a:t>forEach</a:t>
+            </a:r>
+            <a:r>
+              <a:rPr lang="en-PH" dirty="0"/>
+              <a:t>, map, filter</a:t>
+            </a:r>
+          </a:p>
+          <a:p>
+            <a:pPr lvl="1"/>
+            <a:r>
+              <a:rPr lang="en-PH" dirty="0"/>
+              <a:t>Arrow Functions</a:t>
+            </a:r>
+          </a:p>
+          <a:p>
+            <a:pPr lvl="1"/>
+            <a:r>
+              <a:rPr lang="en-PH" dirty="0"/>
+              <a:t>Promises and Observables</a:t>
+            </a:r>
+          </a:p>
+          <a:p>
+            <a:pPr lvl="1"/>
+            <a:r>
+              <a:rPr lang="en-PH" dirty="0"/>
+              <a:t>MVC Pattern</a:t>
+            </a:r>
+          </a:p>
+        </p:txBody>
+      </p:sp>
+    </p:spTree>
+    <p:extLst>
+      <p:ext uri="{BB962C8B-B14F-4D97-AF65-F5344CB8AC3E}">
+        <p14:creationId xmlns:p14="http://schemas.microsoft.com/office/powerpoint/2010/main" val="1672057470"/>
+      </p:ext>
+    </p:extLst>
+  </p:cSld>
+  <p:clrMapOvr>
+    <a:masterClrMapping/>
+  </p:clrMapOvr>
+</p:sld>
+</file>
+
+<file path=ppt/slides/slide6.xml><?xml version="1.0" encoding="utf-8"?>
+<p:sld xmlns:a="http://schemas.openxmlformats.org/drawingml/2006/main" xmlns:r="http://schemas.openxmlformats.org/officeDocument/2006/relationships" xmlns:p="http://schemas.openxmlformats.org/presentationml/2006/main">
+  <p:cSld>
+    <p:spTree>
+      <p:nvGrpSpPr>
+        <p:cNvPr id="1" name=""/>
+        <p:cNvGrpSpPr/>
+        <p:nvPr/>
+      </p:nvGrpSpPr>
+      <p:grpSpPr>
+        <a:xfrm>
+          <a:off x="0" y="0"/>
+          <a:ext cx="0" cy="0"/>
+          <a:chOff x="0" y="0"/>
+          <a:chExt cx="0" cy="0"/>
+        </a:xfrm>
+      </p:grpSpPr>
+      <p:sp>
+        <p:nvSpPr>
+          <p:cNvPr id="2" name="Title 1"/>
+          <p:cNvSpPr>
+            <a:spLocks noGrp="1"/>
+          </p:cNvSpPr>
+          <p:nvPr>
+            <p:ph type="title"/>
+          </p:nvPr>
+        </p:nvSpPr>
+        <p:spPr/>
+        <p:txBody>
+          <a:bodyPr/>
+          <a:lstStyle/>
+          <a:p>
+            <a:r>
+              <a:rPr lang="en-PH" dirty="0"/>
+              <a:t>The Angular Way</a:t>
+            </a:r>
+          </a:p>
+        </p:txBody>
+      </p:sp>
+      <p:sp>
+        <p:nvSpPr>
+          <p:cNvPr id="3" name="Content Placeholder 2"/>
+          <p:cNvSpPr>
+            <a:spLocks noGrp="1"/>
+          </p:cNvSpPr>
+          <p:nvPr>
+            <p:ph idx="1"/>
+          </p:nvPr>
+        </p:nvSpPr>
+        <p:spPr/>
+        <p:txBody>
+          <a:bodyPr/>
+          <a:lstStyle/>
+          <a:p>
+            <a:r>
+              <a:rPr lang="en-PH" dirty="0"/>
+              <a:t>Uses Typescript for static types (variables, functions, </a:t>
+            </a:r>
+            <a:r>
+              <a:rPr lang="en-PH" dirty="0" err="1"/>
+              <a:t>params</a:t>
+            </a:r>
+            <a:r>
+              <a:rPr lang="en-PH" dirty="0"/>
+              <a:t>)</a:t>
+            </a:r>
+          </a:p>
+          <a:p>
+            <a:r>
+              <a:rPr lang="en-PH" dirty="0"/>
+              <a:t>Component based (Like other frameworks)</a:t>
+            </a:r>
+          </a:p>
+          <a:p>
+            <a:r>
+              <a:rPr lang="en-PH" dirty="0"/>
+              <a:t>Uses “services” to share data/functionality between components</a:t>
+            </a:r>
+          </a:p>
+          <a:p>
+            <a:r>
+              <a:rPr lang="en-PH" dirty="0"/>
+              <a:t>Concept of “modules” (root module, forms module, http module, </a:t>
+            </a:r>
+            <a:r>
+              <a:rPr lang="en-PH" dirty="0" err="1"/>
+              <a:t>etc</a:t>
+            </a:r>
+            <a:r>
+              <a:rPr lang="en-PH" dirty="0"/>
+              <a:t>)</a:t>
+            </a:r>
+          </a:p>
+          <a:p>
+            <a:r>
+              <a:rPr lang="en-PH" dirty="0"/>
+              <a:t>Uses </a:t>
+            </a:r>
+            <a:r>
+              <a:rPr lang="en-PH" dirty="0" err="1"/>
+              <a:t>RxJS</a:t>
+            </a:r>
+            <a:r>
+              <a:rPr lang="en-PH" dirty="0"/>
+              <a:t> “observables” for </a:t>
+            </a:r>
+            <a:r>
+              <a:rPr lang="en-PH" dirty="0" err="1"/>
+              <a:t>async</a:t>
+            </a:r>
+            <a:r>
+              <a:rPr lang="en-PH" dirty="0"/>
+              <a:t> operations</a:t>
+            </a:r>
+          </a:p>
+          <a:p>
+            <a:r>
+              <a:rPr lang="en-PH" dirty="0"/>
+              <a:t>Steep learning curve relative to other frameworks</a:t>
+            </a:r>
+          </a:p>
+        </p:txBody>
+      </p:sp>
+    </p:spTree>
+    <p:extLst>
+      <p:ext uri="{BB962C8B-B14F-4D97-AF65-F5344CB8AC3E}">
+        <p14:creationId xmlns:p14="http://schemas.microsoft.com/office/powerpoint/2010/main" val="215923750"/>
+      </p:ext>
+    </p:extLst>
+  </p:cSld>
+  <p:clrMapOvr>
+    <a:masterClrMapping/>
+  </p:clrMapOvr>
+</p:sld>
+</file>
+
+<file path=ppt/slides/slide7.xml><?xml version="1.0" encoding="utf-8"?>
+<p:sld xmlns:a="http://schemas.openxmlformats.org/drawingml/2006/main" xmlns:r="http://schemas.openxmlformats.org/officeDocument/2006/relationships" xmlns:p="http://schemas.openxmlformats.org/presentationml/2006/main">
+  <p:cSld>
+    <p:spTree>
+      <p:nvGrpSpPr>
+        <p:cNvPr id="1" name=""/>
+        <p:cNvGrpSpPr/>
+        <p:nvPr/>
+      </p:nvGrpSpPr>
+      <p:grpSpPr>
+        <a:xfrm>
+          <a:off x="0" y="0"/>
+          <a:ext cx="0" cy="0"/>
+          <a:chOff x="0" y="0"/>
+          <a:chExt cx="0" cy="0"/>
+        </a:xfrm>
+      </p:grpSpPr>
+      <p:sp>
+        <p:nvSpPr>
+          <p:cNvPr id="2" name="Title 1"/>
+          <p:cNvSpPr>
+            <a:spLocks noGrp="1"/>
+          </p:cNvSpPr>
+          <p:nvPr>
+            <p:ph type="title"/>
+          </p:nvPr>
+        </p:nvSpPr>
+        <p:spPr/>
+        <p:txBody>
+          <a:bodyPr/>
+          <a:lstStyle/>
+          <a:p>
+            <a:r>
+              <a:rPr lang="en-PH" dirty="0"/>
+              <a:t>Reusable Components</a:t>
+            </a:r>
+          </a:p>
+        </p:txBody>
+      </p:sp>
+      <p:sp>
+        <p:nvSpPr>
+          <p:cNvPr id="3" name="Content Placeholder 2"/>
+          <p:cNvSpPr>
+            <a:spLocks noGrp="1"/>
+          </p:cNvSpPr>
+          <p:nvPr>
+            <p:ph idx="1"/>
+          </p:nvPr>
+        </p:nvSpPr>
+        <p:spPr/>
+        <p:txBody>
+          <a:bodyPr/>
+          <a:lstStyle/>
+          <a:p>
+            <a:r>
+              <a:rPr lang="en-PH" dirty="0" err="1"/>
+              <a:t>TodoApp</a:t>
+            </a:r>
+            <a:endParaRPr lang="en-PH" dirty="0"/>
+          </a:p>
+          <a:p>
+            <a:pPr lvl="1"/>
+            <a:r>
+              <a:rPr lang="en-PH" dirty="0"/>
+              <a:t>Search</a:t>
+            </a:r>
+          </a:p>
+          <a:p>
+            <a:pPr lvl="1"/>
+            <a:r>
+              <a:rPr lang="en-PH" dirty="0" err="1"/>
+              <a:t>TodoList</a:t>
+            </a:r>
+            <a:endParaRPr lang="en-PH" dirty="0"/>
+          </a:p>
+          <a:p>
+            <a:pPr lvl="2"/>
+            <a:r>
+              <a:rPr lang="en-PH" dirty="0" err="1"/>
+              <a:t>Todo</a:t>
+            </a:r>
+            <a:endParaRPr lang="en-PH" dirty="0"/>
+          </a:p>
+          <a:p>
+            <a:pPr lvl="1"/>
+            <a:r>
+              <a:rPr lang="en-PH" dirty="0" err="1"/>
+              <a:t>AddTodo</a:t>
+            </a:r>
+            <a:endParaRPr lang="en-PH" dirty="0"/>
+          </a:p>
+        </p:txBody>
+      </p:sp>
+    </p:spTree>
+    <p:extLst>
+      <p:ext uri="{BB962C8B-B14F-4D97-AF65-F5344CB8AC3E}">
+        <p14:creationId xmlns:p14="http://schemas.microsoft.com/office/powerpoint/2010/main" val="3965059797"/>
+      </p:ext>
+    </p:extLst>
+  </p:cSld>
+  <p:clrMapOvr>
+    <a:masterClrMapping/>
+  </p:clrMapOvr>
+</p:sld>
+</file>
+
+<file path=ppt/slides/slide8.xml><?xml version="1.0" encoding="utf-8"?>
+<p:sld xmlns:a="http://schemas.openxmlformats.org/drawingml/2006/main" xmlns:r="http://schemas.openxmlformats.org/officeDocument/2006/relationships" xmlns:p="http://schemas.openxmlformats.org/presentationml/2006/main">
+  <p:cSld>
+    <p:spTree>
+      <p:nvGrpSpPr>
+        <p:cNvPr id="1" name=""/>
+        <p:cNvGrpSpPr/>
+        <p:nvPr/>
+      </p:nvGrpSpPr>
+      <p:grpSpPr>
+        <a:xfrm>
+          <a:off x="0" y="0"/>
+          <a:ext cx="0" cy="0"/>
+          <a:chOff x="0" y="0"/>
+          <a:chExt cx="0" cy="0"/>
+        </a:xfrm>
+      </p:grpSpPr>
+      <p:sp>
+        <p:nvSpPr>
+          <p:cNvPr id="2" name="Title 1"/>
+          <p:cNvSpPr>
+            <a:spLocks noGrp="1"/>
+          </p:cNvSpPr>
+          <p:nvPr>
+            <p:ph type="title"/>
+          </p:nvPr>
+        </p:nvSpPr>
+        <p:spPr/>
+        <p:txBody>
+          <a:bodyPr/>
+          <a:lstStyle/>
+          <a:p>
+            <a:r>
+              <a:rPr lang="en-PH" dirty="0"/>
+              <a:t>The anatomy of a component</a:t>
+            </a:r>
+          </a:p>
+        </p:txBody>
+      </p:sp>
+      <p:sp>
+        <p:nvSpPr>
+          <p:cNvPr id="3" name="Content Placeholder 2"/>
+          <p:cNvSpPr>
+            <a:spLocks noGrp="1"/>
+          </p:cNvSpPr>
+          <p:nvPr>
+            <p:ph idx="1"/>
+          </p:nvPr>
+        </p:nvSpPr>
+        <p:spPr/>
+        <p:txBody>
+          <a:bodyPr numCol="2">
+            <a:normAutofit fontScale="70000" lnSpcReduction="20000"/>
+          </a:bodyPr>
+          <a:lstStyle/>
+          <a:p>
+            <a:pPr marL="0" indent="0">
+              <a:buNone/>
+            </a:pPr>
+            <a:r>
+              <a:rPr lang="en-PH" dirty="0"/>
+              <a:t>import { Component, </a:t>
+            </a:r>
+            <a:r>
+              <a:rPr lang="en-PH" dirty="0" err="1"/>
+              <a:t>OnInit</a:t>
+            </a:r>
+            <a:r>
+              <a:rPr lang="en-PH" dirty="0"/>
+              <a:t> } from '@angular/core';</a:t>
+            </a:r>
+          </a:p>
+          <a:p>
+            <a:pPr marL="0" indent="0">
+              <a:buNone/>
+            </a:pPr>
+            <a:r>
+              <a:rPr lang="en-PH" dirty="0"/>
+              <a:t>import { Hero } from '../hero';</a:t>
+            </a:r>
+          </a:p>
+          <a:p>
+            <a:pPr marL="0" indent="0">
+              <a:buNone/>
+            </a:pPr>
+            <a:r>
+              <a:rPr lang="en-PH" dirty="0"/>
+              <a:t>import { </a:t>
+            </a:r>
+            <a:r>
+              <a:rPr lang="en-PH" dirty="0" err="1"/>
+              <a:t>HeroService</a:t>
+            </a:r>
+            <a:r>
+              <a:rPr lang="en-PH" dirty="0"/>
+              <a:t> } from '../</a:t>
+            </a:r>
+            <a:r>
+              <a:rPr lang="en-PH" dirty="0" err="1"/>
+              <a:t>hero.service</a:t>
+            </a:r>
+            <a:r>
+              <a:rPr lang="en-PH" dirty="0"/>
+              <a:t>';</a:t>
+            </a:r>
+          </a:p>
+          <a:p>
+            <a:pPr marL="0" indent="0">
+              <a:buNone/>
+            </a:pPr>
+            <a:endParaRPr lang="en-PH" dirty="0"/>
+          </a:p>
+          <a:p>
+            <a:pPr marL="0" indent="0">
+              <a:buNone/>
+            </a:pPr>
+            <a:r>
+              <a:rPr lang="en-PH" dirty="0"/>
+              <a:t>@Component({</a:t>
+            </a:r>
+          </a:p>
+          <a:p>
+            <a:pPr marL="0" indent="0">
+              <a:buNone/>
+            </a:pPr>
+            <a:r>
+              <a:rPr lang="en-PH" dirty="0"/>
+              <a:t>  selector: 'app-heroes',</a:t>
+            </a:r>
+          </a:p>
+          <a:p>
+            <a:pPr marL="0" indent="0">
+              <a:buNone/>
+            </a:pPr>
+            <a:r>
+              <a:rPr lang="en-PH" dirty="0"/>
+              <a:t>  </a:t>
+            </a:r>
+            <a:r>
+              <a:rPr lang="en-PH" dirty="0" err="1"/>
+              <a:t>templateUrl</a:t>
+            </a:r>
+            <a:r>
+              <a:rPr lang="en-PH" dirty="0"/>
+              <a:t>: './heroes.component.html',</a:t>
+            </a:r>
+          </a:p>
+          <a:p>
+            <a:pPr marL="0" indent="0">
+              <a:buNone/>
+            </a:pPr>
+            <a:r>
+              <a:rPr lang="en-PH" dirty="0"/>
+              <a:t>  </a:t>
+            </a:r>
+            <a:r>
+              <a:rPr lang="en-PH" dirty="0" err="1"/>
+              <a:t>styleUrls</a:t>
+            </a:r>
+            <a:r>
+              <a:rPr lang="en-PH" dirty="0"/>
+              <a:t>: ['./heroes.component.css']</a:t>
+            </a:r>
+          </a:p>
+          <a:p>
+            <a:pPr marL="0" indent="0">
+              <a:buNone/>
+            </a:pPr>
+            <a:r>
+              <a:rPr lang="en-PH" dirty="0"/>
+              <a:t>})</a:t>
+            </a:r>
+          </a:p>
+          <a:p>
+            <a:pPr marL="0" indent="0">
+              <a:buNone/>
+            </a:pPr>
+            <a:r>
+              <a:rPr lang="en-PH" dirty="0"/>
+              <a:t>export class </a:t>
+            </a:r>
+            <a:r>
+              <a:rPr lang="en-PH" dirty="0" err="1"/>
+              <a:t>HeroesComponent</a:t>
+            </a:r>
+            <a:r>
+              <a:rPr lang="en-PH" dirty="0"/>
+              <a:t> implements </a:t>
+            </a:r>
+            <a:r>
+              <a:rPr lang="en-PH" dirty="0" err="1"/>
+              <a:t>OnInit</a:t>
+            </a:r>
+            <a:r>
+              <a:rPr lang="en-PH" dirty="0"/>
+              <a:t> {</a:t>
+            </a:r>
+          </a:p>
+          <a:p>
+            <a:pPr marL="0" indent="0">
+              <a:buNone/>
+            </a:pPr>
+            <a:r>
+              <a:rPr lang="en-PH" dirty="0"/>
+              <a:t>  heroes: Hero[];</a:t>
+            </a:r>
+          </a:p>
+          <a:p>
+            <a:pPr marL="0" indent="0">
+              <a:buNone/>
+            </a:pPr>
+            <a:endParaRPr lang="en-PH" dirty="0"/>
+          </a:p>
+          <a:p>
+            <a:pPr marL="0" indent="0">
+              <a:buNone/>
+            </a:pPr>
+            <a:r>
+              <a:rPr lang="en-PH" dirty="0"/>
+              <a:t>  constructor(private </a:t>
+            </a:r>
+            <a:r>
+              <a:rPr lang="en-PH" dirty="0" err="1"/>
+              <a:t>heroService</a:t>
+            </a:r>
+            <a:r>
+              <a:rPr lang="en-PH" dirty="0"/>
+              <a:t>: </a:t>
+            </a:r>
+            <a:r>
+              <a:rPr lang="en-PH" dirty="0" err="1"/>
+              <a:t>HeroService</a:t>
+            </a:r>
+            <a:r>
+              <a:rPr lang="en-PH" dirty="0"/>
+              <a:t>) { }</a:t>
+            </a:r>
+          </a:p>
+          <a:p>
+            <a:pPr marL="0" indent="0">
+              <a:buNone/>
+            </a:pPr>
+            <a:endParaRPr lang="en-PH" dirty="0"/>
+          </a:p>
+          <a:p>
+            <a:pPr marL="0" indent="0">
+              <a:buNone/>
+            </a:pPr>
+            <a:r>
+              <a:rPr lang="en-PH" dirty="0"/>
+              <a:t>  </a:t>
+            </a:r>
+            <a:r>
+              <a:rPr lang="en-PH" dirty="0" err="1"/>
+              <a:t>ngOnInit</a:t>
+            </a:r>
+            <a:r>
+              <a:rPr lang="en-PH" dirty="0"/>
+              <a:t>() {</a:t>
+            </a:r>
+          </a:p>
+          <a:p>
+            <a:pPr marL="0" indent="0">
+              <a:buNone/>
+            </a:pPr>
+            <a:r>
+              <a:rPr lang="en-PH" dirty="0"/>
+              <a:t>    </a:t>
+            </a:r>
+            <a:r>
+              <a:rPr lang="en-PH" dirty="0" err="1"/>
+              <a:t>this.getHeroes</a:t>
+            </a:r>
+            <a:r>
+              <a:rPr lang="en-PH" dirty="0"/>
+              <a:t>();</a:t>
+            </a:r>
+          </a:p>
+          <a:p>
+            <a:pPr marL="0" indent="0">
+              <a:buNone/>
+            </a:pPr>
+            <a:r>
+              <a:rPr lang="en-PH" dirty="0"/>
+              <a:t>  }</a:t>
+            </a:r>
+          </a:p>
+          <a:p>
+            <a:pPr marL="0" indent="0">
+              <a:buNone/>
+            </a:pPr>
+            <a:endParaRPr lang="en-PH" dirty="0"/>
+          </a:p>
+          <a:p>
+            <a:pPr marL="0" indent="0">
+              <a:buNone/>
+            </a:pPr>
+            <a:r>
+              <a:rPr lang="en-PH" dirty="0"/>
+              <a:t>  </a:t>
+            </a:r>
+            <a:r>
+              <a:rPr lang="en-PH" dirty="0" err="1"/>
+              <a:t>getHeroes</a:t>
+            </a:r>
+            <a:r>
+              <a:rPr lang="en-PH" dirty="0"/>
+              <a:t>(): void {</a:t>
+            </a:r>
+          </a:p>
+          <a:p>
+            <a:pPr marL="0" indent="0">
+              <a:buNone/>
+            </a:pPr>
+            <a:r>
+              <a:rPr lang="en-PH" dirty="0"/>
+              <a:t>    </a:t>
+            </a:r>
+            <a:r>
+              <a:rPr lang="en-PH" dirty="0" err="1"/>
+              <a:t>this.heroService.getHeroes</a:t>
+            </a:r>
+            <a:r>
+              <a:rPr lang="en-PH" dirty="0"/>
+              <a:t>()</a:t>
+            </a:r>
+          </a:p>
+          <a:p>
+            <a:pPr marL="0" indent="0">
+              <a:buNone/>
+            </a:pPr>
+            <a:r>
+              <a:rPr lang="en-PH" dirty="0"/>
+              <a:t>      .subscribe(heroes =&gt; </a:t>
+            </a:r>
+            <a:r>
+              <a:rPr lang="en-PH" dirty="0" err="1"/>
+              <a:t>this.heroes</a:t>
+            </a:r>
+            <a:r>
+              <a:rPr lang="en-PH" dirty="0"/>
+              <a:t> = heroes);</a:t>
+            </a:r>
+          </a:p>
+          <a:p>
+            <a:pPr marL="0" indent="0">
+              <a:buNone/>
+            </a:pPr>
+            <a:r>
+              <a:rPr lang="en-PH" dirty="0"/>
+              <a:t>  }</a:t>
+            </a:r>
+          </a:p>
+          <a:p>
+            <a:pPr marL="0" indent="0">
+              <a:buNone/>
+            </a:pPr>
+            <a:r>
+              <a:rPr lang="en-PH" dirty="0"/>
+              <a:t>}</a:t>
+            </a:r>
+            <a:endParaRPr lang="en-PH" dirty="0"/>
+          </a:p>
+        </p:txBody>
+      </p:sp>
+    </p:spTree>
+    <p:extLst>
+      <p:ext uri="{BB962C8B-B14F-4D97-AF65-F5344CB8AC3E}">
+        <p14:creationId xmlns:p14="http://schemas.microsoft.com/office/powerpoint/2010/main" val="1368741372"/>
+      </p:ext>
+    </p:extLst>
+  </p:cSld>
+  <p:clrMapOvr>
+    <a:masterClrMapping/>
+  </p:clrMapOvr>
+</p:sld>
+</file>
+
+<file path=ppt/slides/slide9.xml><?xml version="1.0" encoding="utf-8"?>
+<p:sld xmlns:a="http://schemas.openxmlformats.org/drawingml/2006/main" xmlns:r="http://schemas.openxmlformats.org/officeDocument/2006/relationships" xmlns:p="http://schemas.openxmlformats.org/presentationml/2006/main">
+  <p:cSld>
+    <p:spTree>
+      <p:nvGrpSpPr>
+        <p:cNvPr id="1" name=""/>
+        <p:cNvGrpSpPr/>
+        <p:nvPr/>
+      </p:nvGrpSpPr>
+      <p:grpSpPr>
+        <a:xfrm>
+          <a:off x="0" y="0"/>
+          <a:ext cx="0" cy="0"/>
+          <a:chOff x="0" y="0"/>
+          <a:chExt cx="0" cy="0"/>
+        </a:xfrm>
+      </p:grpSpPr>
+      <p:sp>
+        <p:nvSpPr>
+          <p:cNvPr id="2" name="Title 1"/>
+          <p:cNvSpPr>
+            <a:spLocks noGrp="1"/>
+          </p:cNvSpPr>
+          <p:nvPr>
+            <p:ph type="title"/>
+          </p:nvPr>
+        </p:nvSpPr>
+        <p:spPr/>
+        <p:txBody>
+          <a:bodyPr/>
+          <a:lstStyle/>
+          <a:p>
+            <a:r>
+              <a:rPr lang="en-PH" dirty="0"/>
+              <a:t>Angular CLI</a:t>
+            </a:r>
+          </a:p>
+        </p:txBody>
+      </p:sp>
+      <p:sp>
+        <p:nvSpPr>
+          <p:cNvPr id="3" name="Content Placeholder 2"/>
+          <p:cNvSpPr>
+            <a:spLocks noGrp="1"/>
+          </p:cNvSpPr>
+          <p:nvPr>
+            <p:ph idx="1"/>
+          </p:nvPr>
+        </p:nvSpPr>
+        <p:spPr/>
+        <p:txBody>
+          <a:bodyPr/>
+          <a:lstStyle/>
+          <a:p>
+            <a:r>
+              <a:rPr lang="en-PH" dirty="0"/>
+              <a:t>Powerful tool for generating apps, modules, components, services, etc.</a:t>
+            </a:r>
+          </a:p>
+          <a:p>
+            <a:pPr lvl="1"/>
+            <a:r>
+              <a:rPr lang="en-PH" dirty="0"/>
+              <a:t>$ ng new </a:t>
+            </a:r>
+            <a:r>
+              <a:rPr lang="en-PH" dirty="0" err="1"/>
+              <a:t>myapp</a:t>
+            </a:r>
+            <a:endParaRPr lang="en-PH" dirty="0"/>
+          </a:p>
+          <a:p>
+            <a:pPr lvl="1"/>
+            <a:r>
+              <a:rPr lang="en-PH" dirty="0"/>
+              <a:t>$ ng serve</a:t>
+            </a:r>
+          </a:p>
+          <a:p>
+            <a:pPr lvl="1"/>
+            <a:r>
+              <a:rPr lang="en-PH" dirty="0"/>
+              <a:t>$ ng build</a:t>
+            </a:r>
+          </a:p>
+          <a:p>
+            <a:pPr lvl="1"/>
+            <a:endParaRPr lang="en-PH" dirty="0"/>
+          </a:p>
+          <a:p>
+            <a:pPr lvl="1"/>
+            <a:r>
+              <a:rPr lang="en-PH" dirty="0"/>
+              <a:t>$ ng generate component </a:t>
+            </a:r>
+            <a:r>
+              <a:rPr lang="en-PH" dirty="0" err="1"/>
+              <a:t>todos</a:t>
+            </a:r>
+            <a:endParaRPr lang="en-PH" dirty="0"/>
+          </a:p>
+          <a:p>
+            <a:pPr lvl="1"/>
+            <a:r>
+              <a:rPr lang="en-PH" dirty="0"/>
+              <a:t>$ ng generate service </a:t>
+            </a:r>
+            <a:r>
+              <a:rPr lang="en-PH" dirty="0" err="1"/>
+              <a:t>todo</a:t>
+            </a:r>
+            <a:endParaRPr lang="en-PH" dirty="0"/>
+          </a:p>
+          <a:p>
+            <a:pPr lvl="1"/>
+            <a:r>
+              <a:rPr lang="en-PH" dirty="0"/>
+              <a:t>$ ng generate module app-routing</a:t>
+            </a:r>
+          </a:p>
+        </p:txBody>
+      </p:sp>
+    </p:spTree>
+    <p:extLst>
+      <p:ext uri="{BB962C8B-B14F-4D97-AF65-F5344CB8AC3E}">
+        <p14:creationId xmlns:p14="http://schemas.microsoft.com/office/powerpoint/2010/main" val="653247916"/>
       </p:ext>
     </p:extLst>
   </p:cSld>
